--- a/機器學習簡介.pptx
+++ b/機器學習簡介.pptx
@@ -6,10 +6,10 @@
     <p:sldMasterId id="2147483658" r:id="rId2"/>
   </p:sldMasterIdLst>
   <p:notesMasterIdLst>
-    <p:notesMasterId r:id="rId34"/>
+    <p:notesMasterId r:id="rId31"/>
   </p:notesMasterIdLst>
   <p:handoutMasterIdLst>
-    <p:handoutMasterId r:id="rId35"/>
+    <p:handoutMasterId r:id="rId32"/>
   </p:handoutMasterIdLst>
   <p:sldIdLst>
     <p:sldId id="256" r:id="rId3"/>
@@ -36,13 +36,10 @@
     <p:sldId id="313" r:id="rId24"/>
     <p:sldId id="314" r:id="rId25"/>
     <p:sldId id="301" r:id="rId26"/>
-    <p:sldId id="302" r:id="rId27"/>
-    <p:sldId id="303" r:id="rId28"/>
-    <p:sldId id="304" r:id="rId29"/>
-    <p:sldId id="322" r:id="rId30"/>
-    <p:sldId id="328" r:id="rId31"/>
-    <p:sldId id="299" r:id="rId32"/>
-    <p:sldId id="295" r:id="rId33"/>
+    <p:sldId id="322" r:id="rId27"/>
+    <p:sldId id="328" r:id="rId28"/>
+    <p:sldId id="299" r:id="rId29"/>
+    <p:sldId id="295" r:id="rId30"/>
   </p:sldIdLst>
   <p:sldSz cx="9144000" cy="5143500" type="screen16x9"/>
   <p:notesSz cx="6858000" cy="9144000"/>
@@ -143,7 +140,7 @@
   </p:defaultTextStyle>
   <p:extLst>
     <p:ext uri="{EFAFB233-063F-42B5-8137-9DF3F51BA10A}">
-      <p15:sldGuideLst xmlns:p15="http://schemas.microsoft.com/office/powerpoint/2012/main" xmlns="">
+      <p15:sldGuideLst xmlns="" xmlns:p15="http://schemas.microsoft.com/office/powerpoint/2012/main">
         <p15:guide id="1" orient="horz" pos="1801">
           <p15:clr>
             <a:srgbClr val="A4A3A4"/>
@@ -157,7 +154,7 @@
       </p15:sldGuideLst>
     </p:ext>
     <p:ext uri="{2D200454-40CA-4A62-9FC3-DE9A4176ACB9}">
-      <p15:notesGuideLst xmlns:p15="http://schemas.microsoft.com/office/powerpoint/2012/main" xmlns="">
+      <p15:notesGuideLst xmlns="" xmlns:p15="http://schemas.microsoft.com/office/powerpoint/2012/main">
         <p15:guide id="1" orient="horz" pos="2880">
           <p15:clr>
             <a:srgbClr val="A4A3A4"/>
@@ -257,7 +254,7 @@
             <a:fld id="{40387649-87BE-48A6-AB38-3A28AD0FAB86}" type="datetimeFigureOut">
               <a:rPr lang="ko-KR" altLang="en-US" smtClean="0"/>
               <a:pPr/>
-              <a:t>2018-10-09</a:t>
+              <a:t>2019-06-17</a:t>
             </a:fld>
             <a:endParaRPr lang="ko-KR" altLang="en-US"/>
           </a:p>
@@ -333,7 +330,7 @@
     </p:spTree>
     <p:extLst>
       <p:ext uri="{BB962C8B-B14F-4D97-AF65-F5344CB8AC3E}">
-        <p14:creationId xmlns:p14="http://schemas.microsoft.com/office/powerpoint/2010/main" xmlns="" val="2929115107"/>
+        <p14:creationId xmlns="" xmlns:p14="http://schemas.microsoft.com/office/powerpoint/2010/main" val="2929115107"/>
       </p:ext>
     </p:extLst>
   </p:cSld>
@@ -424,7 +421,7 @@
             <a:fld id="{EC04DDF7-921D-4AC8-B946-4DD615DDC886}" type="datetimeFigureOut">
               <a:rPr lang="ko-KR" altLang="en-US" smtClean="0"/>
               <a:pPr/>
-              <a:t>2018-10-09</a:t>
+              <a:t>2019-06-17</a:t>
             </a:fld>
             <a:endParaRPr lang="ko-KR" altLang="en-US"/>
           </a:p>
@@ -593,7 +590,7 @@
     </p:spTree>
     <p:extLst>
       <p:ext uri="{BB962C8B-B14F-4D97-AF65-F5344CB8AC3E}">
-        <p14:creationId xmlns:p14="http://schemas.microsoft.com/office/powerpoint/2010/main" xmlns="" val="2125444701"/>
+        <p14:creationId xmlns="" xmlns:p14="http://schemas.microsoft.com/office/powerpoint/2010/main" val="2125444701"/>
       </p:ext>
     </p:extLst>
   </p:cSld>
@@ -937,7 +934,7 @@
             <a:fld id="{A0042B24-5628-4EE2-A5C0-B4E095A44801}" type="slidenum">
               <a:rPr lang="ko-KR" altLang="en-US" smtClean="0"/>
               <a:pPr/>
-              <a:t>29</a:t>
+              <a:t>26</a:t>
             </a:fld>
             <a:endParaRPr lang="ko-KR" altLang="en-US"/>
           </a:p>
@@ -1019,7 +1016,7 @@
             <a:fld id="{A0042B24-5628-4EE2-A5C0-B4E095A44801}" type="slidenum">
               <a:rPr lang="ko-KR" altLang="en-US" smtClean="0"/>
               <a:pPr/>
-              <a:t>30</a:t>
+              <a:t>27</a:t>
             </a:fld>
             <a:endParaRPr lang="ko-KR" altLang="en-US"/>
           </a:p>
@@ -1957,7 +1954,7 @@
           <a:blip r:embed="rId3" cstate="print">
             <a:extLst>
               <a:ext uri="{28A0092B-C50C-407E-A947-70E740481C1C}">
-                <a14:useLocalDpi xmlns:a14="http://schemas.microsoft.com/office/drawing/2010/main" xmlns="" val="0"/>
+                <a14:useLocalDpi xmlns="" xmlns:a14="http://schemas.microsoft.com/office/drawing/2010/main" val="0"/>
               </a:ext>
             </a:extLst>
           </a:blip>
@@ -1977,7 +1974,7 @@
           <a:noFill/>
           <a:extLst>
             <a:ext uri="{909E8E84-426E-40DD-AFC4-6F175D3DCCD1}">
-              <a14:hiddenFill xmlns:a14="http://schemas.microsoft.com/office/drawing/2010/main" xmlns="">
+              <a14:hiddenFill xmlns="" xmlns:a14="http://schemas.microsoft.com/office/drawing/2010/main">
                 <a:solidFill>
                   <a:srgbClr val="FFFFFF"/>
                 </a:solidFill>
@@ -2073,7 +2070,7 @@
           <p:cNvPr id="7" name="Text Placeholder 9">
             <a:extLst>
               <a:ext uri="{FF2B5EF4-FFF2-40B4-BE49-F238E27FC236}">
-                <a16:creationId xmlns:a16="http://schemas.microsoft.com/office/drawing/2014/main" xmlns="" id="{120A1E39-4EAE-4670-B341-E87651138888}"/>
+                <a16:creationId xmlns="" xmlns:a16="http://schemas.microsoft.com/office/drawing/2014/main" id="{120A1E39-4EAE-4670-B341-E87651138888}"/>
               </a:ext>
             </a:extLst>
           </p:cNvPr>
@@ -2123,7 +2120,7 @@
           <p:cNvPr id="8" name="제목 1">
             <a:extLst>
               <a:ext uri="{FF2B5EF4-FFF2-40B4-BE49-F238E27FC236}">
-                <a16:creationId xmlns:a16="http://schemas.microsoft.com/office/drawing/2014/main" xmlns="" id="{3DAC9DBF-2FD4-4775-8F53-02C2F29CA84A}"/>
+                <a16:creationId xmlns="" xmlns:a16="http://schemas.microsoft.com/office/drawing/2014/main" id="{3DAC9DBF-2FD4-4775-8F53-02C2F29CA84A}"/>
               </a:ext>
             </a:extLst>
           </p:cNvPr>
@@ -2174,7 +2171,7 @@
     </p:spTree>
     <p:extLst>
       <p:ext uri="{BB962C8B-B14F-4D97-AF65-F5344CB8AC3E}">
-        <p14:creationId xmlns:p14="http://schemas.microsoft.com/office/powerpoint/2010/main" xmlns="" val="1070206903"/>
+        <p14:creationId xmlns="" xmlns:p14="http://schemas.microsoft.com/office/powerpoint/2010/main" val="1070206903"/>
       </p:ext>
     </p:extLst>
   </p:cSld>
@@ -2213,7 +2210,7 @@
           <a:blip r:embed="rId2" cstate="print">
             <a:extLst>
               <a:ext uri="{28A0092B-C50C-407E-A947-70E740481C1C}">
-                <a14:useLocalDpi xmlns:a14="http://schemas.microsoft.com/office/drawing/2010/main" xmlns="" val="0"/>
+                <a14:useLocalDpi xmlns="" xmlns:a14="http://schemas.microsoft.com/office/drawing/2010/main" val="0"/>
               </a:ext>
             </a:extLst>
           </a:blip>
@@ -2233,7 +2230,7 @@
           <a:noFill/>
           <a:extLst>
             <a:ext uri="{909E8E84-426E-40DD-AFC4-6F175D3DCCD1}">
-              <a14:hiddenFill xmlns:a14="http://schemas.microsoft.com/office/drawing/2010/main" xmlns="">
+              <a14:hiddenFill xmlns="" xmlns:a14="http://schemas.microsoft.com/office/drawing/2010/main">
                 <a:solidFill>
                   <a:srgbClr val="FFFFFF"/>
                 </a:solidFill>
@@ -2324,7 +2321,7 @@
     </p:spTree>
     <p:extLst>
       <p:ext uri="{BB962C8B-B14F-4D97-AF65-F5344CB8AC3E}">
-        <p14:creationId xmlns:p14="http://schemas.microsoft.com/office/powerpoint/2010/main" xmlns="" val="2328993309"/>
+        <p14:creationId xmlns="" xmlns:p14="http://schemas.microsoft.com/office/powerpoint/2010/main" val="2328993309"/>
       </p:ext>
     </p:extLst>
   </p:cSld>
@@ -2377,7 +2374,7 @@
           <a:blip r:embed="rId3" cstate="print">
             <a:extLst>
               <a:ext uri="{28A0092B-C50C-407E-A947-70E740481C1C}">
-                <a14:useLocalDpi xmlns:a14="http://schemas.microsoft.com/office/drawing/2010/main" xmlns="" val="0"/>
+                <a14:useLocalDpi xmlns="" xmlns:a14="http://schemas.microsoft.com/office/drawing/2010/main" val="0"/>
               </a:ext>
             </a:extLst>
           </a:blip>
@@ -2397,7 +2394,7 @@
           <a:noFill/>
           <a:extLst>
             <a:ext uri="{909E8E84-426E-40DD-AFC4-6F175D3DCCD1}">
-              <a14:hiddenFill xmlns:a14="http://schemas.microsoft.com/office/drawing/2010/main" xmlns="">
+              <a14:hiddenFill xmlns="" xmlns:a14="http://schemas.microsoft.com/office/drawing/2010/main">
                 <a:solidFill>
                   <a:srgbClr val="FFFFFF"/>
                 </a:solidFill>
@@ -2485,7 +2482,7 @@
     </p:spTree>
     <p:extLst>
       <p:ext uri="{BB962C8B-B14F-4D97-AF65-F5344CB8AC3E}">
-        <p14:creationId xmlns:p14="http://schemas.microsoft.com/office/powerpoint/2010/main" xmlns="" val="2853970883"/>
+        <p14:creationId xmlns="" xmlns:p14="http://schemas.microsoft.com/office/powerpoint/2010/main" val="2853970883"/>
       </p:ext>
     </p:extLst>
   </p:cSld>
@@ -2569,7 +2566,7 @@
           <p:cNvPr id="5" name="Text Placeholder 9">
             <a:extLst>
               <a:ext uri="{FF2B5EF4-FFF2-40B4-BE49-F238E27FC236}">
-                <a16:creationId xmlns:a16="http://schemas.microsoft.com/office/drawing/2014/main" xmlns="" id="{39315AC1-362C-42C8-AC5D-93231CD5493C}"/>
+                <a16:creationId xmlns="" xmlns:a16="http://schemas.microsoft.com/office/drawing/2014/main" id="{39315AC1-362C-42C8-AC5D-93231CD5493C}"/>
               </a:ext>
             </a:extLst>
           </p:cNvPr>
@@ -2620,7 +2617,7 @@
     </p:spTree>
     <p:extLst>
       <p:ext uri="{BB962C8B-B14F-4D97-AF65-F5344CB8AC3E}">
-        <p14:creationId xmlns:p14="http://schemas.microsoft.com/office/powerpoint/2010/main" xmlns="" val="671505854"/>
+        <p14:creationId xmlns="" xmlns:p14="http://schemas.microsoft.com/office/powerpoint/2010/main" val="671505854"/>
       </p:ext>
     </p:extLst>
   </p:cSld>
@@ -2629,7 +2626,7 @@
   </p:clrMapOvr>
   <p:extLst mod="1">
     <p:ext uri="{DCECCB84-F9BA-43D5-87BE-67443E8EF086}">
-      <p15:sldGuideLst xmlns:p15="http://schemas.microsoft.com/office/powerpoint/2012/main" xmlns="">
+      <p15:sldGuideLst xmlns="" xmlns:p15="http://schemas.microsoft.com/office/powerpoint/2012/main">
         <p15:guide id="1" orient="horz" pos="1620" userDrawn="1">
           <p15:clr>
             <a:srgbClr val="FBAE40"/>
@@ -2689,7 +2686,7 @@
           <a:blip r:embed="rId3" cstate="print">
             <a:extLst>
               <a:ext uri="{28A0092B-C50C-407E-A947-70E740481C1C}">
-                <a14:useLocalDpi xmlns:a14="http://schemas.microsoft.com/office/drawing/2010/main" xmlns="" val="0"/>
+                <a14:useLocalDpi xmlns="" xmlns:a14="http://schemas.microsoft.com/office/drawing/2010/main" val="0"/>
               </a:ext>
             </a:extLst>
           </a:blip>
@@ -2709,7 +2706,7 @@
           <a:noFill/>
           <a:extLst>
             <a:ext uri="{909E8E84-426E-40DD-AFC4-6F175D3DCCD1}">
-              <a14:hiddenFill xmlns:a14="http://schemas.microsoft.com/office/drawing/2010/main" xmlns="">
+              <a14:hiddenFill xmlns="" xmlns:a14="http://schemas.microsoft.com/office/drawing/2010/main">
                 <a:solidFill>
                   <a:srgbClr val="FFFFFF"/>
                 </a:solidFill>
@@ -2797,7 +2794,7 @@
     </p:spTree>
     <p:extLst>
       <p:ext uri="{BB962C8B-B14F-4D97-AF65-F5344CB8AC3E}">
-        <p14:creationId xmlns:p14="http://schemas.microsoft.com/office/powerpoint/2010/main" xmlns="" val="2853970883"/>
+        <p14:creationId xmlns="" xmlns:p14="http://schemas.microsoft.com/office/powerpoint/2010/main" val="2853970883"/>
       </p:ext>
     </p:extLst>
   </p:cSld>
@@ -2885,7 +2882,7 @@
     </p:spTree>
     <p:extLst>
       <p:ext uri="{BB962C8B-B14F-4D97-AF65-F5344CB8AC3E}">
-        <p14:creationId xmlns:p14="http://schemas.microsoft.com/office/powerpoint/2010/main" xmlns="" val="375772882"/>
+        <p14:creationId xmlns="" xmlns:p14="http://schemas.microsoft.com/office/powerpoint/2010/main" val="375772882"/>
       </p:ext>
     </p:extLst>
   </p:cSld>
@@ -2975,7 +2972,7 @@
           <a:blip r:embed="rId2" cstate="print">
             <a:extLst>
               <a:ext uri="{28A0092B-C50C-407E-A947-70E740481C1C}">
-                <a14:useLocalDpi xmlns:a14="http://schemas.microsoft.com/office/drawing/2010/main" xmlns="" val="0"/>
+                <a14:useLocalDpi xmlns="" xmlns:a14="http://schemas.microsoft.com/office/drawing/2010/main" val="0"/>
               </a:ext>
             </a:extLst>
           </a:blip>
@@ -2995,7 +2992,7 @@
           <a:noFill/>
           <a:extLst>
             <a:ext uri="{909E8E84-426E-40DD-AFC4-6F175D3DCCD1}">
-              <a14:hiddenFill xmlns:a14="http://schemas.microsoft.com/office/drawing/2010/main" xmlns="">
+              <a14:hiddenFill xmlns="" xmlns:a14="http://schemas.microsoft.com/office/drawing/2010/main">
                 <a:solidFill>
                   <a:srgbClr val="FFFFFF"/>
                 </a:solidFill>
@@ -3133,7 +3130,7 @@
     </p:spTree>
     <p:extLst>
       <p:ext uri="{BB962C8B-B14F-4D97-AF65-F5344CB8AC3E}">
-        <p14:creationId xmlns:p14="http://schemas.microsoft.com/office/powerpoint/2010/main" xmlns="" val="2349382555"/>
+        <p14:creationId xmlns="" xmlns:p14="http://schemas.microsoft.com/office/powerpoint/2010/main" val="2349382555"/>
       </p:ext>
     </p:extLst>
   </p:cSld>
@@ -3168,7 +3165,7 @@
     </p:spTree>
     <p:extLst>
       <p:ext uri="{BB962C8B-B14F-4D97-AF65-F5344CB8AC3E}">
-        <p14:creationId xmlns:p14="http://schemas.microsoft.com/office/powerpoint/2010/main" xmlns="" val="2850478714"/>
+        <p14:creationId xmlns="" xmlns:p14="http://schemas.microsoft.com/office/powerpoint/2010/main" val="2850478714"/>
       </p:ext>
     </p:extLst>
   </p:cSld>
@@ -3456,7 +3453,7 @@
     </p:spTree>
     <p:extLst>
       <p:ext uri="{BB962C8B-B14F-4D97-AF65-F5344CB8AC3E}">
-        <p14:creationId xmlns:p14="http://schemas.microsoft.com/office/powerpoint/2010/main" xmlns="" val="3939947127"/>
+        <p14:creationId xmlns="" xmlns:p14="http://schemas.microsoft.com/office/powerpoint/2010/main" val="3939947127"/>
       </p:ext>
     </p:extLst>
   </p:cSld>
@@ -3873,15 +3870,7 @@
                   <a:schemeClr val="accent4"/>
                 </a:solidFill>
               </a:rPr>
-              <a:t>主題</a:t>
-            </a:r>
-            <a:r>
-              <a:rPr lang="zh-TW" altLang="en-US" sz="4800" dirty="0" smtClean="0">
-                <a:solidFill>
-                  <a:schemeClr val="accent4"/>
-                </a:solidFill>
-              </a:rPr>
-              <a:t>分享</a:t>
+              <a:t>主題分享</a:t>
             </a:r>
             <a:r>
               <a:rPr lang="en-US" altLang="zh-TW" sz="4800" dirty="0" smtClean="0">
@@ -3910,7 +3899,7 @@
     </p:spTree>
     <p:extLst>
       <p:ext uri="{BB962C8B-B14F-4D97-AF65-F5344CB8AC3E}">
-        <p14:creationId xmlns:p14="http://schemas.microsoft.com/office/powerpoint/2010/main" xmlns="" val="2742331774"/>
+        <p14:creationId xmlns="" xmlns:p14="http://schemas.microsoft.com/office/powerpoint/2010/main" val="2742331774"/>
       </p:ext>
     </p:extLst>
   </p:cSld>
@@ -5985,7 +5974,7 @@
           <p:cNvPr id="5" name="Rounded Rectangle 7">
             <a:extLst>
               <a:ext uri="{FF2B5EF4-FFF2-40B4-BE49-F238E27FC236}">
-                <a16:creationId xmlns:a16="http://schemas.microsoft.com/office/drawing/2014/main" xmlns="" id="{EA4B759D-ED49-4936-BA4A-D77AFFC65B29}"/>
+                <a16:creationId xmlns="" xmlns:a16="http://schemas.microsoft.com/office/drawing/2014/main" id="{EA4B759D-ED49-4936-BA4A-D77AFFC65B29}"/>
               </a:ext>
             </a:extLst>
           </p:cNvPr>
@@ -10024,7 +10013,7 @@
           <p:cNvPr id="70" name="Donut 24">
             <a:extLst>
               <a:ext uri="{FF2B5EF4-FFF2-40B4-BE49-F238E27FC236}">
-                <a16:creationId xmlns:a16="http://schemas.microsoft.com/office/drawing/2014/main" xmlns="" id="{C58EBA12-2054-425D-A85F-8A564D3EB1A7}"/>
+                <a16:creationId xmlns="" xmlns:a16="http://schemas.microsoft.com/office/drawing/2014/main" id="{C58EBA12-2054-425D-A85F-8A564D3EB1A7}"/>
               </a:ext>
             </a:extLst>
           </p:cNvPr>
@@ -16059,7 +16048,7 @@
           <p:cNvPr id="5" name="Rounded Rectangle 7">
             <a:extLst>
               <a:ext uri="{FF2B5EF4-FFF2-40B4-BE49-F238E27FC236}">
-                <a16:creationId xmlns:a16="http://schemas.microsoft.com/office/drawing/2014/main" xmlns="" id="{EA4B759D-ED49-4936-BA4A-D77AFFC65B29}"/>
+                <a16:creationId xmlns="" xmlns:a16="http://schemas.microsoft.com/office/drawing/2014/main" id="{EA4B759D-ED49-4936-BA4A-D77AFFC65B29}"/>
               </a:ext>
             </a:extLst>
           </p:cNvPr>
@@ -16456,7 +16445,7 @@
           <p:cNvPr id="5" name="Rectangle 7">
             <a:extLst>
               <a:ext uri="{FF2B5EF4-FFF2-40B4-BE49-F238E27FC236}">
-                <a16:creationId xmlns:a16="http://schemas.microsoft.com/office/drawing/2014/main" xmlns="" id="{D3AF8613-8B73-4EE7-835E-64B897E21D25}"/>
+                <a16:creationId xmlns="" xmlns:a16="http://schemas.microsoft.com/office/drawing/2014/main" id="{D3AF8613-8B73-4EE7-835E-64B897E21D25}"/>
               </a:ext>
             </a:extLst>
           </p:cNvPr>
@@ -16709,55 +16698,23 @@
           <a:lstStyle/>
           <a:p>
             <a:r>
-              <a:rPr lang="zh-TW" altLang="en-US" dirty="0" smtClean="0"/>
-              <a:t>亮度</a:t>
+              <a:rPr lang="en-US" altLang="zh-TW" dirty="0" smtClean="0"/>
+              <a:t>Summary(1/2)</a:t>
             </a:r>
             <a:endParaRPr lang="zh-TW" altLang="en-US" dirty="0"/>
           </a:p>
         </p:txBody>
       </p:sp>
-      <p:pic>
-        <p:nvPicPr>
-          <p:cNvPr id="7170" name="Picture 2"/>
-          <p:cNvPicPr>
-            <a:picLocks noChangeAspect="1" noChangeArrowheads="1"/>
-          </p:cNvPicPr>
-          <p:nvPr/>
-        </p:nvPicPr>
-        <p:blipFill>
-          <a:blip r:embed="rId2" cstate="print"/>
-          <a:srcRect/>
-          <a:stretch>
-            <a:fillRect/>
-          </a:stretch>
-        </p:blipFill>
-        <p:spPr bwMode="auto">
-          <a:xfrm>
-            <a:off x="1259632" y="648072"/>
-            <a:ext cx="7562850" cy="4299942"/>
-          </a:xfrm>
-          <a:prstGeom prst="rect">
-            <a:avLst/>
-          </a:prstGeom>
-          <a:noFill/>
-          <a:ln w="9525">
-            <a:noFill/>
-            <a:miter lim="800000"/>
-            <a:headEnd/>
-            <a:tailEnd/>
-          </a:ln>
-        </p:spPr>
-      </p:pic>
       <p:sp>
         <p:nvSpPr>
-          <p:cNvPr id="5" name="TextBox 4"/>
+          <p:cNvPr id="3" name="TextBox 2"/>
           <p:cNvSpPr txBox="1"/>
           <p:nvPr/>
         </p:nvSpPr>
         <p:spPr>
           <a:xfrm>
-            <a:off x="6911752" y="4897279"/>
-            <a:ext cx="2232248" cy="246221"/>
+            <a:off x="1403648" y="915566"/>
+            <a:ext cx="6984776" cy="3447098"/>
           </a:xfrm>
           <a:prstGeom prst="rect">
             <a:avLst/>
@@ -16770,12 +16727,253 @@
           </a:bodyPr>
           <a:lstStyle/>
           <a:p>
-            <a:pPr algn="r"/>
-            <a:r>
-              <a:rPr lang="en-US" altLang="zh-TW" sz="1000" dirty="0" err="1" smtClean="0"/>
-              <a:t>From:yannis.chen</a:t>
-            </a:r>
-            <a:endParaRPr lang="zh-TW" altLang="en-US" sz="1000" dirty="0"/>
+            <a:pPr>
+              <a:buFont typeface="Wingdings" pitchFamily="2" charset="2"/>
+              <a:buChar char="Ø"/>
+            </a:pPr>
+            <a:r>
+              <a:rPr lang="zh-TW" altLang="en-US" sz="2800" b="1" dirty="0" smtClean="0">
+                <a:solidFill>
+                  <a:schemeClr val="accent3">
+                    <a:lumMod val="50000"/>
+                  </a:schemeClr>
+                </a:solidFill>
+              </a:rPr>
+              <a:t>機器學習其實跟我們人類一樣</a:t>
+            </a:r>
+            <a:r>
+              <a:rPr lang="en-US" altLang="zh-TW" sz="2800" b="1" dirty="0" smtClean="0">
+                <a:solidFill>
+                  <a:schemeClr val="accent3">
+                    <a:lumMod val="50000"/>
+                  </a:schemeClr>
+                </a:solidFill>
+              </a:rPr>
+              <a:t>,</a:t>
+            </a:r>
+            <a:r>
+              <a:rPr lang="zh-TW" altLang="en-US" sz="2800" b="1" dirty="0" smtClean="0">
+                <a:solidFill>
+                  <a:schemeClr val="accent3">
+                    <a:lumMod val="50000"/>
+                  </a:schemeClr>
+                </a:solidFill>
+              </a:rPr>
+              <a:t>你餵給它什麼資料就學什麼</a:t>
+            </a:r>
+            <a:endParaRPr lang="en-US" altLang="zh-TW" sz="2800" b="1" dirty="0" smtClean="0">
+              <a:solidFill>
+                <a:schemeClr val="accent3">
+                  <a:lumMod val="50000"/>
+                </a:schemeClr>
+              </a:solidFill>
+            </a:endParaRPr>
+          </a:p>
+          <a:p>
+            <a:pPr>
+              <a:buFont typeface="Wingdings" pitchFamily="2" charset="2"/>
+              <a:buChar char="ü"/>
+            </a:pPr>
+            <a:r>
+              <a:rPr lang="zh-TW" altLang="en-US" sz="2400" b="1" dirty="0" smtClean="0">
+                <a:solidFill>
+                  <a:schemeClr val="accent1">
+                    <a:lumMod val="75000"/>
+                  </a:schemeClr>
+                </a:solidFill>
+                <a:latin typeface="Arial Unicode MS" pitchFamily="34" charset="-120"/>
+                <a:ea typeface="Arial Unicode MS" pitchFamily="34" charset="-120"/>
+                <a:cs typeface="Arial Unicode MS" pitchFamily="34" charset="-120"/>
+              </a:rPr>
+              <a:t>前提一定要先有資料</a:t>
+            </a:r>
+            <a:endParaRPr lang="en-US" altLang="zh-TW" sz="2400" b="1" dirty="0" smtClean="0">
+              <a:solidFill>
+                <a:schemeClr val="accent1">
+                  <a:lumMod val="75000"/>
+                </a:schemeClr>
+              </a:solidFill>
+              <a:latin typeface="Arial Unicode MS" pitchFamily="34" charset="-120"/>
+              <a:ea typeface="Arial Unicode MS" pitchFamily="34" charset="-120"/>
+              <a:cs typeface="Arial Unicode MS" pitchFamily="34" charset="-120"/>
+            </a:endParaRPr>
+          </a:p>
+          <a:p>
+            <a:pPr>
+              <a:buFont typeface="Wingdings" pitchFamily="2" charset="2"/>
+              <a:buChar char="ü"/>
+            </a:pPr>
+            <a:r>
+              <a:rPr lang="zh-TW" altLang="en-US" sz="2400" b="1" dirty="0" smtClean="0">
+                <a:solidFill>
+                  <a:schemeClr val="accent1">
+                    <a:lumMod val="75000"/>
+                  </a:schemeClr>
+                </a:solidFill>
+                <a:latin typeface="Arial Unicode MS" pitchFamily="34" charset="-120"/>
+                <a:ea typeface="Arial Unicode MS" pitchFamily="34" charset="-120"/>
+                <a:cs typeface="Arial Unicode MS" pitchFamily="34" charset="-120"/>
+              </a:rPr>
+              <a:t>資料預處理</a:t>
+            </a:r>
+            <a:r>
+              <a:rPr lang="en-US" altLang="zh-TW" sz="2400" b="1" dirty="0" smtClean="0">
+                <a:solidFill>
+                  <a:schemeClr val="accent1">
+                    <a:lumMod val="75000"/>
+                  </a:schemeClr>
+                </a:solidFill>
+                <a:latin typeface="Arial Unicode MS" pitchFamily="34" charset="-120"/>
+                <a:ea typeface="Arial Unicode MS" pitchFamily="34" charset="-120"/>
+                <a:cs typeface="Arial Unicode MS" pitchFamily="34" charset="-120"/>
+              </a:rPr>
+              <a:t>,</a:t>
+            </a:r>
+            <a:r>
+              <a:rPr lang="zh-TW" altLang="en-US" sz="2400" b="1" dirty="0" smtClean="0">
+                <a:solidFill>
+                  <a:schemeClr val="accent1">
+                    <a:lumMod val="75000"/>
+                  </a:schemeClr>
+                </a:solidFill>
+                <a:latin typeface="Arial Unicode MS" pitchFamily="34" charset="-120"/>
+                <a:ea typeface="Arial Unicode MS" pitchFamily="34" charset="-120"/>
+                <a:cs typeface="Arial Unicode MS" pitchFamily="34" charset="-120"/>
+              </a:rPr>
+              <a:t>占</a:t>
+            </a:r>
+            <a:r>
+              <a:rPr lang="en-US" altLang="zh-TW" sz="2400" b="1" dirty="0" smtClean="0">
+                <a:solidFill>
+                  <a:schemeClr val="accent1">
+                    <a:lumMod val="75000"/>
+                  </a:schemeClr>
+                </a:solidFill>
+                <a:latin typeface="Arial Unicode MS" pitchFamily="34" charset="-120"/>
+                <a:ea typeface="Arial Unicode MS" pitchFamily="34" charset="-120"/>
+                <a:cs typeface="Arial Unicode MS" pitchFamily="34" charset="-120"/>
+              </a:rPr>
+              <a:t>70-80%</a:t>
+            </a:r>
+          </a:p>
+          <a:p>
+            <a:pPr>
+              <a:buFont typeface="Wingdings" pitchFamily="2" charset="2"/>
+              <a:buChar char="ü"/>
+            </a:pPr>
+            <a:r>
+              <a:rPr lang="zh-TW" altLang="en-US" sz="2400" b="1" dirty="0" smtClean="0">
+                <a:solidFill>
+                  <a:schemeClr val="accent1">
+                    <a:lumMod val="75000"/>
+                  </a:schemeClr>
+                </a:solidFill>
+                <a:latin typeface="Arial Unicode MS" pitchFamily="34" charset="-120"/>
+                <a:ea typeface="Arial Unicode MS" pitchFamily="34" charset="-120"/>
+                <a:cs typeface="Arial Unicode MS" pitchFamily="34" charset="-120"/>
+              </a:rPr>
+              <a:t>專業領域知識</a:t>
+            </a:r>
+            <a:endParaRPr lang="en-US" altLang="zh-TW" sz="2400" b="1" dirty="0" smtClean="0">
+              <a:solidFill>
+                <a:schemeClr val="accent1">
+                  <a:lumMod val="75000"/>
+                </a:schemeClr>
+              </a:solidFill>
+              <a:latin typeface="Arial Unicode MS" pitchFamily="34" charset="-120"/>
+              <a:ea typeface="Arial Unicode MS" pitchFamily="34" charset="-120"/>
+              <a:cs typeface="Arial Unicode MS" pitchFamily="34" charset="-120"/>
+            </a:endParaRPr>
+          </a:p>
+          <a:p>
+            <a:pPr>
+              <a:buFont typeface="Wingdings" pitchFamily="2" charset="2"/>
+              <a:buChar char="ü"/>
+            </a:pPr>
+            <a:r>
+              <a:rPr lang="zh-TW" altLang="en-US" sz="2400" b="1" dirty="0" smtClean="0">
+                <a:solidFill>
+                  <a:schemeClr val="accent1">
+                    <a:lumMod val="75000"/>
+                  </a:schemeClr>
+                </a:solidFill>
+                <a:latin typeface="Arial Unicode MS" pitchFamily="34" charset="-120"/>
+                <a:ea typeface="Arial Unicode MS" pitchFamily="34" charset="-120"/>
+                <a:cs typeface="Arial Unicode MS" pitchFamily="34" charset="-120"/>
+              </a:rPr>
+              <a:t>要了解不同的演算法</a:t>
+            </a:r>
+            <a:endParaRPr lang="en-US" altLang="zh-TW" sz="2400" b="1" dirty="0" smtClean="0">
+              <a:solidFill>
+                <a:schemeClr val="accent1">
+                  <a:lumMod val="75000"/>
+                </a:schemeClr>
+              </a:solidFill>
+              <a:latin typeface="Arial Unicode MS" pitchFamily="34" charset="-120"/>
+              <a:ea typeface="Arial Unicode MS" pitchFamily="34" charset="-120"/>
+              <a:cs typeface="Arial Unicode MS" pitchFamily="34" charset="-120"/>
+            </a:endParaRPr>
+          </a:p>
+          <a:p>
+            <a:pPr>
+              <a:buFont typeface="Wingdings" pitchFamily="2" charset="2"/>
+              <a:buChar char="ü"/>
+            </a:pPr>
+            <a:r>
+              <a:rPr lang="zh-TW" altLang="en-US" sz="2400" b="1" dirty="0" smtClean="0">
+                <a:solidFill>
+                  <a:schemeClr val="accent1">
+                    <a:lumMod val="75000"/>
+                  </a:schemeClr>
+                </a:solidFill>
+                <a:latin typeface="Arial Unicode MS" pitchFamily="34" charset="-120"/>
+                <a:ea typeface="Arial Unicode MS" pitchFamily="34" charset="-120"/>
+                <a:cs typeface="Arial Unicode MS" pitchFamily="34" charset="-120"/>
+              </a:rPr>
+              <a:t>創意</a:t>
+            </a:r>
+            <a:endParaRPr lang="en-US" altLang="zh-TW" sz="2400" b="1" dirty="0" smtClean="0">
+              <a:solidFill>
+                <a:schemeClr val="accent1">
+                  <a:lumMod val="75000"/>
+                </a:schemeClr>
+              </a:solidFill>
+              <a:latin typeface="Arial Unicode MS" pitchFamily="34" charset="-120"/>
+              <a:ea typeface="Arial Unicode MS" pitchFamily="34" charset="-120"/>
+              <a:cs typeface="Arial Unicode MS" pitchFamily="34" charset="-120"/>
+            </a:endParaRPr>
+          </a:p>
+          <a:p>
+            <a:pPr>
+              <a:buFont typeface="Wingdings" pitchFamily="2" charset="2"/>
+              <a:buChar char="ü"/>
+            </a:pPr>
+            <a:r>
+              <a:rPr lang="zh-TW" altLang="en-US" sz="2400" b="1" dirty="0" smtClean="0">
+                <a:solidFill>
+                  <a:schemeClr val="accent1">
+                    <a:lumMod val="75000"/>
+                  </a:schemeClr>
+                </a:solidFill>
+                <a:latin typeface="Arial Unicode MS" pitchFamily="34" charset="-120"/>
+                <a:ea typeface="Arial Unicode MS" pitchFamily="34" charset="-120"/>
+                <a:cs typeface="Arial Unicode MS" pitchFamily="34" charset="-120"/>
+              </a:rPr>
+              <a:t>如何報告</a:t>
+            </a:r>
+            <a:endParaRPr lang="en-US" altLang="zh-TW" sz="2400" b="1" dirty="0" smtClean="0">
+              <a:solidFill>
+                <a:schemeClr val="accent1">
+                  <a:lumMod val="75000"/>
+                </a:schemeClr>
+              </a:solidFill>
+              <a:latin typeface="Arial Unicode MS" pitchFamily="34" charset="-120"/>
+              <a:ea typeface="Arial Unicode MS" pitchFamily="34" charset="-120"/>
+              <a:cs typeface="Arial Unicode MS" pitchFamily="34" charset="-120"/>
+            </a:endParaRPr>
+          </a:p>
+          <a:p>
+            <a:endParaRPr lang="zh-TW" altLang="en-US" dirty="0"/>
           </a:p>
         </p:txBody>
       </p:sp>
@@ -16827,244 +17025,8 @@
           <a:lstStyle/>
           <a:p>
             <a:r>
-              <a:rPr lang="zh-TW" altLang="en-US" dirty="0" smtClean="0"/>
-              <a:t>資料不足</a:t>
-            </a:r>
-            <a:endParaRPr lang="zh-TW" altLang="en-US" dirty="0"/>
-          </a:p>
-        </p:txBody>
-      </p:sp>
-      <p:pic>
-        <p:nvPicPr>
-          <p:cNvPr id="8194" name="Picture 2"/>
-          <p:cNvPicPr>
-            <a:picLocks noChangeAspect="1" noChangeArrowheads="1"/>
-          </p:cNvPicPr>
-          <p:nvPr/>
-        </p:nvPicPr>
-        <p:blipFill>
-          <a:blip r:embed="rId2" cstate="print"/>
-          <a:srcRect/>
-          <a:stretch>
-            <a:fillRect/>
-          </a:stretch>
-        </p:blipFill>
-        <p:spPr bwMode="auto">
-          <a:xfrm>
-            <a:off x="1547664" y="691694"/>
-            <a:ext cx="4752528" cy="4234566"/>
-          </a:xfrm>
-          <a:prstGeom prst="rect">
-            <a:avLst/>
-          </a:prstGeom>
-          <a:noFill/>
-          <a:ln w="9525">
-            <a:noFill/>
-            <a:miter lim="800000"/>
-            <a:headEnd/>
-            <a:tailEnd/>
-          </a:ln>
-        </p:spPr>
-      </p:pic>
-      <p:sp>
-        <p:nvSpPr>
-          <p:cNvPr id="5" name="TextBox 4"/>
-          <p:cNvSpPr txBox="1"/>
-          <p:nvPr/>
-        </p:nvSpPr>
-        <p:spPr>
-          <a:xfrm>
-            <a:off x="6911752" y="4897279"/>
-            <a:ext cx="2232248" cy="246221"/>
-          </a:xfrm>
-          <a:prstGeom prst="rect">
-            <a:avLst/>
-          </a:prstGeom>
-          <a:noFill/>
-        </p:spPr>
-        <p:txBody>
-          <a:bodyPr wrap="square" rtlCol="0">
-            <a:spAutoFit/>
-          </a:bodyPr>
-          <a:lstStyle/>
-          <a:p>
-            <a:pPr algn="r"/>
-            <a:r>
-              <a:rPr lang="en-US" altLang="zh-TW" sz="1000" dirty="0" err="1" smtClean="0"/>
-              <a:t>From:yannis.chen</a:t>
-            </a:r>
-            <a:endParaRPr lang="zh-TW" altLang="en-US" sz="1000" dirty="0"/>
-          </a:p>
-        </p:txBody>
-      </p:sp>
-    </p:spTree>
-  </p:cSld>
-  <p:clrMapOvr>
-    <a:masterClrMapping/>
-  </p:clrMapOvr>
-  <p:timing>
-    <p:tnLst>
-      <p:par>
-        <p:cTn id="1" dur="indefinite" restart="never" nodeType="tmRoot"/>
-      </p:par>
-    </p:tnLst>
-  </p:timing>
-</p:sld>
-</file>
-
-<file path=ppt/slides/slide27.xml><?xml version="1.0" encoding="utf-8"?>
-<p:sld xmlns:a="http://schemas.openxmlformats.org/drawingml/2006/main" xmlns:r="http://schemas.openxmlformats.org/officeDocument/2006/relationships" xmlns:p="http://schemas.openxmlformats.org/presentationml/2006/main">
-  <p:cSld>
-    <p:spTree>
-      <p:nvGrpSpPr>
-        <p:cNvPr id="1" name=""/>
-        <p:cNvGrpSpPr/>
-        <p:nvPr/>
-      </p:nvGrpSpPr>
-      <p:grpSpPr>
-        <a:xfrm>
-          <a:off x="0" y="0"/>
-          <a:ext cx="0" cy="0"/>
-          <a:chOff x="0" y="0"/>
-          <a:chExt cx="0" cy="0"/>
-        </a:xfrm>
-      </p:grpSpPr>
-      <p:sp>
-        <p:nvSpPr>
-          <p:cNvPr id="2" name="Title 1"/>
-          <p:cNvSpPr>
-            <a:spLocks noGrp="1"/>
-          </p:cNvSpPr>
-          <p:nvPr>
-            <p:ph type="title"/>
-          </p:nvPr>
-        </p:nvSpPr>
-        <p:spPr/>
-        <p:txBody>
-          <a:bodyPr/>
-          <a:lstStyle/>
-          <a:p>
-            <a:r>
-              <a:rPr lang="zh-TW" altLang="en-US" dirty="0" smtClean="0"/>
-              <a:t>實際運作</a:t>
-            </a:r>
-            <a:endParaRPr lang="zh-TW" altLang="en-US" dirty="0"/>
-          </a:p>
-        </p:txBody>
-      </p:sp>
-      <p:pic>
-        <p:nvPicPr>
-          <p:cNvPr id="9218" name="Picture 2"/>
-          <p:cNvPicPr>
-            <a:picLocks noChangeAspect="1" noChangeArrowheads="1"/>
-          </p:cNvPicPr>
-          <p:nvPr/>
-        </p:nvPicPr>
-        <p:blipFill>
-          <a:blip r:embed="rId2" cstate="print"/>
-          <a:srcRect/>
-          <a:stretch>
-            <a:fillRect/>
-          </a:stretch>
-        </p:blipFill>
-        <p:spPr bwMode="auto">
-          <a:xfrm>
-            <a:off x="1475656" y="771550"/>
-            <a:ext cx="7488832" cy="4248893"/>
-          </a:xfrm>
-          <a:prstGeom prst="rect">
-            <a:avLst/>
-          </a:prstGeom>
-          <a:noFill/>
-          <a:ln w="9525">
-            <a:noFill/>
-            <a:miter lim="800000"/>
-            <a:headEnd/>
-            <a:tailEnd/>
-          </a:ln>
-        </p:spPr>
-      </p:pic>
-      <p:sp>
-        <p:nvSpPr>
-          <p:cNvPr id="5" name="TextBox 4"/>
-          <p:cNvSpPr txBox="1"/>
-          <p:nvPr/>
-        </p:nvSpPr>
-        <p:spPr>
-          <a:xfrm>
-            <a:off x="6911752" y="4897279"/>
-            <a:ext cx="2232248" cy="246221"/>
-          </a:xfrm>
-          <a:prstGeom prst="rect">
-            <a:avLst/>
-          </a:prstGeom>
-          <a:noFill/>
-        </p:spPr>
-        <p:txBody>
-          <a:bodyPr wrap="square" rtlCol="0">
-            <a:spAutoFit/>
-          </a:bodyPr>
-          <a:lstStyle/>
-          <a:p>
-            <a:pPr algn="r"/>
-            <a:r>
-              <a:rPr lang="en-US" altLang="zh-TW" sz="1000" dirty="0" err="1" smtClean="0"/>
-              <a:t>From:yannis.chen</a:t>
-            </a:r>
-            <a:endParaRPr lang="zh-TW" altLang="en-US" sz="1000" dirty="0"/>
-          </a:p>
-        </p:txBody>
-      </p:sp>
-    </p:spTree>
-  </p:cSld>
-  <p:clrMapOvr>
-    <a:masterClrMapping/>
-  </p:clrMapOvr>
-  <p:timing>
-    <p:tnLst>
-      <p:par>
-        <p:cTn id="1" dur="indefinite" restart="never" nodeType="tmRoot"/>
-      </p:par>
-    </p:tnLst>
-  </p:timing>
-</p:sld>
-</file>
-
-<file path=ppt/slides/slide28.xml><?xml version="1.0" encoding="utf-8"?>
-<p:sld xmlns:a="http://schemas.openxmlformats.org/drawingml/2006/main" xmlns:r="http://schemas.openxmlformats.org/officeDocument/2006/relationships" xmlns:p="http://schemas.openxmlformats.org/presentationml/2006/main">
-  <p:cSld>
-    <p:spTree>
-      <p:nvGrpSpPr>
-        <p:cNvPr id="1" name=""/>
-        <p:cNvGrpSpPr/>
-        <p:nvPr/>
-      </p:nvGrpSpPr>
-      <p:grpSpPr>
-        <a:xfrm>
-          <a:off x="0" y="0"/>
-          <a:ext cx="0" cy="0"/>
-          <a:chOff x="0" y="0"/>
-          <a:chExt cx="0" cy="0"/>
-        </a:xfrm>
-      </p:grpSpPr>
-      <p:sp>
-        <p:nvSpPr>
-          <p:cNvPr id="2" name="Title 1"/>
-          <p:cNvSpPr>
-            <a:spLocks noGrp="1"/>
-          </p:cNvSpPr>
-          <p:nvPr>
-            <p:ph type="title"/>
-          </p:nvPr>
-        </p:nvSpPr>
-        <p:spPr/>
-        <p:txBody>
-          <a:bodyPr/>
-          <a:lstStyle/>
-          <a:p>
-            <a:r>
               <a:rPr lang="en-US" altLang="zh-TW" dirty="0" smtClean="0"/>
-              <a:t>Summary(1/2)</a:t>
+              <a:t>Summary(2/2)</a:t>
             </a:r>
             <a:endParaRPr lang="zh-TW" altLang="en-US" dirty="0"/>
           </a:p>
@@ -17079,7 +17041,7 @@
         <p:spPr>
           <a:xfrm>
             <a:off x="1403648" y="915566"/>
-            <a:ext cx="6984776" cy="3447098"/>
+            <a:ext cx="6984776" cy="3016210"/>
           </a:xfrm>
           <a:prstGeom prst="rect">
             <a:avLst/>
@@ -17104,27 +17066,7 @@
                   </a:schemeClr>
                 </a:solidFill>
               </a:rPr>
-              <a:t>機器學習其實跟我們人類一樣</a:t>
-            </a:r>
-            <a:r>
-              <a:rPr lang="en-US" altLang="zh-TW" sz="2800" b="1" dirty="0" smtClean="0">
-                <a:solidFill>
-                  <a:schemeClr val="accent3">
-                    <a:lumMod val="50000"/>
-                  </a:schemeClr>
-                </a:solidFill>
-              </a:rPr>
-              <a:t>,</a:t>
-            </a:r>
-            <a:r>
-              <a:rPr lang="zh-TW" altLang="en-US" sz="2800" b="1" dirty="0" smtClean="0">
-                <a:solidFill>
-                  <a:schemeClr val="accent3">
-                    <a:lumMod val="50000"/>
-                  </a:schemeClr>
-                </a:solidFill>
-              </a:rPr>
-              <a:t>你餵給它什麼資料就學什麼</a:t>
+              <a:t>何時需要機器學習</a:t>
             </a:r>
             <a:endParaRPr lang="en-US" altLang="zh-TW" sz="2800" b="1" dirty="0" smtClean="0">
               <a:solidFill>
@@ -17135,7 +17077,7 @@
             </a:endParaRPr>
           </a:p>
           <a:p>
-            <a:pPr>
+            <a:pPr marL="457200" indent="-457200">
               <a:buFont typeface="Wingdings" pitchFamily="2" charset="2"/>
               <a:buChar char="ü"/>
             </a:pPr>
@@ -17150,7 +17092,7 @@
                 <a:ea typeface="Arial Unicode MS" pitchFamily="34" charset="-120"/>
                 <a:cs typeface="Arial Unicode MS" pitchFamily="34" charset="-120"/>
               </a:rPr>
-              <a:t>前提一定要先有資料</a:t>
+              <a:t>當人們無法定義出所有可能的規則時</a:t>
             </a:r>
             <a:endParaRPr lang="en-US" altLang="zh-TW" sz="2400" b="1" dirty="0" smtClean="0">
               <a:solidFill>
@@ -17164,7 +17106,7 @@
             </a:endParaRPr>
           </a:p>
           <a:p>
-            <a:pPr>
+            <a:pPr marL="457200" indent="-457200">
               <a:buFont typeface="Wingdings" pitchFamily="2" charset="2"/>
               <a:buChar char="ü"/>
             </a:pPr>
@@ -17179,7 +17121,7 @@
                 <a:ea typeface="Arial Unicode MS" pitchFamily="34" charset="-120"/>
                 <a:cs typeface="Arial Unicode MS" pitchFamily="34" charset="-120"/>
               </a:rPr>
-              <a:t>資料預處理</a:t>
+              <a:t>當沒有簡單、甚或不完全的解法方案時</a:t>
             </a:r>
             <a:r>
               <a:rPr lang="en-US" altLang="zh-TW" sz="2400" b="1" dirty="0" smtClean="0">
@@ -17192,7 +17134,7 @@
                 <a:ea typeface="Arial Unicode MS" pitchFamily="34" charset="-120"/>
                 <a:cs typeface="Arial Unicode MS" pitchFamily="34" charset="-120"/>
               </a:rPr>
-              <a:t>,</a:t>
+              <a:t>(</a:t>
             </a:r>
             <a:r>
               <a:rPr lang="zh-TW" altLang="en-US" sz="2400" b="1" dirty="0" smtClean="0">
@@ -17205,7 +17147,7 @@
                 <a:ea typeface="Arial Unicode MS" pitchFamily="34" charset="-120"/>
                 <a:cs typeface="Arial Unicode MS" pitchFamily="34" charset="-120"/>
               </a:rPr>
-              <a:t>占</a:t>
+              <a:t>如 語音 </a:t>
             </a:r>
             <a:r>
               <a:rPr lang="en-US" altLang="zh-TW" sz="2400" b="1" dirty="0" smtClean="0">
@@ -17218,14 +17160,8 @@
                 <a:ea typeface="Arial Unicode MS" pitchFamily="34" charset="-120"/>
                 <a:cs typeface="Arial Unicode MS" pitchFamily="34" charset="-120"/>
               </a:rPr>
-              <a:t>70-80%</a:t>
-            </a:r>
-          </a:p>
-          <a:p>
-            <a:pPr>
-              <a:buFont typeface="Wingdings" pitchFamily="2" charset="2"/>
-              <a:buChar char="ü"/>
-            </a:pPr>
+              <a:t>/</a:t>
+            </a:r>
             <a:r>
               <a:rPr lang="zh-TW" altLang="en-US" sz="2400" b="1" dirty="0" smtClean="0">
                 <a:solidFill>
@@ -17237,7 +17173,33 @@
                 <a:ea typeface="Arial Unicode MS" pitchFamily="34" charset="-120"/>
                 <a:cs typeface="Arial Unicode MS" pitchFamily="34" charset="-120"/>
               </a:rPr>
-              <a:t>專業領域知識</a:t>
+              <a:t>視覺識別</a:t>
+            </a:r>
+            <a:r>
+              <a:rPr lang="en-US" altLang="zh-TW" sz="2400" b="1" dirty="0" smtClean="0">
+                <a:solidFill>
+                  <a:schemeClr val="accent1">
+                    <a:lumMod val="75000"/>
+                  </a:schemeClr>
+                </a:solidFill>
+                <a:latin typeface="Arial Unicode MS" pitchFamily="34" charset="-120"/>
+                <a:ea typeface="Arial Unicode MS" pitchFamily="34" charset="-120"/>
+                <a:cs typeface="Arial Unicode MS" pitchFamily="34" charset="-120"/>
+              </a:rPr>
+              <a:t>)</a:t>
+            </a:r>
+            <a:r>
+              <a:rPr lang="zh-TW" altLang="en-US" sz="2400" b="1" dirty="0" smtClean="0">
+                <a:solidFill>
+                  <a:schemeClr val="accent1">
+                    <a:lumMod val="75000"/>
+                  </a:schemeClr>
+                </a:solidFill>
+                <a:latin typeface="Arial Unicode MS" pitchFamily="34" charset="-120"/>
+                <a:ea typeface="Arial Unicode MS" pitchFamily="34" charset="-120"/>
+                <a:cs typeface="Arial Unicode MS" pitchFamily="34" charset="-120"/>
+              </a:rPr>
+              <a:t> </a:t>
             </a:r>
             <a:endParaRPr lang="en-US" altLang="zh-TW" sz="2400" b="1" dirty="0" smtClean="0">
               <a:solidFill>
@@ -17251,7 +17213,7 @@
             </a:endParaRPr>
           </a:p>
           <a:p>
-            <a:pPr>
+            <a:pPr marL="457200" indent="-457200">
               <a:buFont typeface="Wingdings" pitchFamily="2" charset="2"/>
               <a:buChar char="ü"/>
             </a:pPr>
@@ -17266,24 +17228,21 @@
                 <a:ea typeface="Arial Unicode MS" pitchFamily="34" charset="-120"/>
                 <a:cs typeface="Arial Unicode MS" pitchFamily="34" charset="-120"/>
               </a:rPr>
-              <a:t>要了解不同的演算法</a:t>
-            </a:r>
-            <a:endParaRPr lang="en-US" altLang="zh-TW" sz="2400" b="1" dirty="0" smtClean="0">
-              <a:solidFill>
-                <a:schemeClr val="accent1">
-                  <a:lumMod val="75000"/>
-                </a:schemeClr>
-              </a:solidFill>
-              <a:latin typeface="Arial Unicode MS" pitchFamily="34" charset="-120"/>
-              <a:ea typeface="Arial Unicode MS" pitchFamily="34" charset="-120"/>
-              <a:cs typeface="Arial Unicode MS" pitchFamily="34" charset="-120"/>
-            </a:endParaRPr>
-          </a:p>
-          <a:p>
-            <a:pPr>
-              <a:buFont typeface="Wingdings" pitchFamily="2" charset="2"/>
-              <a:buChar char="ü"/>
-            </a:pPr>
+              <a:t>需要超快速的判斷時 </a:t>
+            </a:r>
+            <a:r>
+              <a:rPr lang="en-US" altLang="zh-TW" sz="2400" b="1" dirty="0" smtClean="0">
+                <a:solidFill>
+                  <a:schemeClr val="accent1">
+                    <a:lumMod val="75000"/>
+                  </a:schemeClr>
+                </a:solidFill>
+                <a:latin typeface="Arial Unicode MS" pitchFamily="34" charset="-120"/>
+                <a:ea typeface="Arial Unicode MS" pitchFamily="34" charset="-120"/>
+                <a:cs typeface="Arial Unicode MS" pitchFamily="34" charset="-120"/>
+              </a:rPr>
+              <a:t>(</a:t>
+            </a:r>
             <a:r>
               <a:rPr lang="zh-TW" altLang="en-US" sz="2400" b="1" dirty="0" smtClean="0">
                 <a:solidFill>
@@ -17295,21 +17254,24 @@
                 <a:ea typeface="Arial Unicode MS" pitchFamily="34" charset="-120"/>
                 <a:cs typeface="Arial Unicode MS" pitchFamily="34" charset="-120"/>
               </a:rPr>
-              <a:t>創意</a:t>
-            </a:r>
-            <a:endParaRPr lang="en-US" altLang="zh-TW" sz="2400" b="1" dirty="0" smtClean="0">
-              <a:solidFill>
-                <a:schemeClr val="accent1">
-                  <a:lumMod val="75000"/>
-                </a:schemeClr>
-              </a:solidFill>
-              <a:latin typeface="Arial Unicode MS" pitchFamily="34" charset="-120"/>
-              <a:ea typeface="Arial Unicode MS" pitchFamily="34" charset="-120"/>
-              <a:cs typeface="Arial Unicode MS" pitchFamily="34" charset="-120"/>
-            </a:endParaRPr>
+              <a:t>如極短線股票交易</a:t>
+            </a:r>
+            <a:r>
+              <a:rPr lang="en-US" altLang="zh-TW" sz="2400" b="1" dirty="0" smtClean="0">
+                <a:solidFill>
+                  <a:schemeClr val="accent1">
+                    <a:lumMod val="75000"/>
+                  </a:schemeClr>
+                </a:solidFill>
+                <a:latin typeface="Arial Unicode MS" pitchFamily="34" charset="-120"/>
+                <a:ea typeface="Arial Unicode MS" pitchFamily="34" charset="-120"/>
+                <a:cs typeface="Arial Unicode MS" pitchFamily="34" charset="-120"/>
+              </a:rPr>
+              <a:t>)</a:t>
+            </a:r>
           </a:p>
           <a:p>
-            <a:pPr>
+            <a:pPr marL="457200" indent="-457200">
               <a:buFont typeface="Wingdings" pitchFamily="2" charset="2"/>
               <a:buChar char="ü"/>
             </a:pPr>
@@ -17324,7 +17286,7 @@
                 <a:ea typeface="Arial Unicode MS" pitchFamily="34" charset="-120"/>
                 <a:cs typeface="Arial Unicode MS" pitchFamily="34" charset="-120"/>
               </a:rPr>
-              <a:t>如何報告</a:t>
+              <a:t>或是資料量大到人為經驗亦無法負荷的程度 或是資料量大到人為經驗亦無法負荷的程度</a:t>
             </a:r>
             <a:endParaRPr lang="en-US" altLang="zh-TW" sz="2400" b="1" dirty="0" smtClean="0">
               <a:solidFill>
@@ -17357,594 +17319,7 @@
 </p:sld>
 </file>
 
-<file path=ppt/slides/slide29.xml><?xml version="1.0" encoding="utf-8"?>
-<p:sld xmlns:a="http://schemas.openxmlformats.org/drawingml/2006/main" xmlns:r="http://schemas.openxmlformats.org/officeDocument/2006/relationships" xmlns:p="http://schemas.openxmlformats.org/presentationml/2006/main">
-  <p:cSld>
-    <p:spTree>
-      <p:nvGrpSpPr>
-        <p:cNvPr id="1" name=""/>
-        <p:cNvGrpSpPr/>
-        <p:nvPr/>
-      </p:nvGrpSpPr>
-      <p:grpSpPr>
-        <a:xfrm>
-          <a:off x="0" y="0"/>
-          <a:ext cx="0" cy="0"/>
-          <a:chOff x="0" y="0"/>
-          <a:chExt cx="0" cy="0"/>
-        </a:xfrm>
-      </p:grpSpPr>
-      <p:sp>
-        <p:nvSpPr>
-          <p:cNvPr id="2" name="Title 1"/>
-          <p:cNvSpPr>
-            <a:spLocks noGrp="1"/>
-          </p:cNvSpPr>
-          <p:nvPr>
-            <p:ph type="title"/>
-          </p:nvPr>
-        </p:nvSpPr>
-        <p:spPr/>
-        <p:txBody>
-          <a:bodyPr/>
-          <a:lstStyle/>
-          <a:p>
-            <a:r>
-              <a:rPr lang="en-US" altLang="zh-TW" dirty="0" smtClean="0"/>
-              <a:t>Summary(2/2)</a:t>
-            </a:r>
-            <a:endParaRPr lang="zh-TW" altLang="en-US" dirty="0"/>
-          </a:p>
-        </p:txBody>
-      </p:sp>
-      <p:sp>
-        <p:nvSpPr>
-          <p:cNvPr id="3" name="TextBox 2"/>
-          <p:cNvSpPr txBox="1"/>
-          <p:nvPr/>
-        </p:nvSpPr>
-        <p:spPr>
-          <a:xfrm>
-            <a:off x="1403648" y="915566"/>
-            <a:ext cx="6984776" cy="3016210"/>
-          </a:xfrm>
-          <a:prstGeom prst="rect">
-            <a:avLst/>
-          </a:prstGeom>
-          <a:noFill/>
-        </p:spPr>
-        <p:txBody>
-          <a:bodyPr wrap="square" rtlCol="0">
-            <a:spAutoFit/>
-          </a:bodyPr>
-          <a:lstStyle/>
-          <a:p>
-            <a:pPr>
-              <a:buFont typeface="Wingdings" pitchFamily="2" charset="2"/>
-              <a:buChar char="Ø"/>
-            </a:pPr>
-            <a:r>
-              <a:rPr lang="zh-TW" altLang="en-US" sz="2800" b="1" dirty="0" smtClean="0">
-                <a:solidFill>
-                  <a:schemeClr val="accent3">
-                    <a:lumMod val="50000"/>
-                  </a:schemeClr>
-                </a:solidFill>
-              </a:rPr>
-              <a:t>何時需要機器學習</a:t>
-            </a:r>
-            <a:endParaRPr lang="en-US" altLang="zh-TW" sz="2800" b="1" dirty="0" smtClean="0">
-              <a:solidFill>
-                <a:schemeClr val="accent3">
-                  <a:lumMod val="50000"/>
-                </a:schemeClr>
-              </a:solidFill>
-            </a:endParaRPr>
-          </a:p>
-          <a:p>
-            <a:pPr marL="457200" indent="-457200">
-              <a:buFont typeface="Wingdings" pitchFamily="2" charset="2"/>
-              <a:buChar char="ü"/>
-            </a:pPr>
-            <a:r>
-              <a:rPr lang="zh-TW" altLang="en-US" sz="2400" b="1" dirty="0" smtClean="0">
-                <a:solidFill>
-                  <a:schemeClr val="accent1">
-                    <a:lumMod val="75000"/>
-                  </a:schemeClr>
-                </a:solidFill>
-                <a:latin typeface="Arial Unicode MS" pitchFamily="34" charset="-120"/>
-                <a:ea typeface="Arial Unicode MS" pitchFamily="34" charset="-120"/>
-                <a:cs typeface="Arial Unicode MS" pitchFamily="34" charset="-120"/>
-              </a:rPr>
-              <a:t>當人們無法定義出所有可能的規則時</a:t>
-            </a:r>
-            <a:endParaRPr lang="en-US" altLang="zh-TW" sz="2400" b="1" dirty="0" smtClean="0">
-              <a:solidFill>
-                <a:schemeClr val="accent1">
-                  <a:lumMod val="75000"/>
-                </a:schemeClr>
-              </a:solidFill>
-              <a:latin typeface="Arial Unicode MS" pitchFamily="34" charset="-120"/>
-              <a:ea typeface="Arial Unicode MS" pitchFamily="34" charset="-120"/>
-              <a:cs typeface="Arial Unicode MS" pitchFamily="34" charset="-120"/>
-            </a:endParaRPr>
-          </a:p>
-          <a:p>
-            <a:pPr marL="457200" indent="-457200">
-              <a:buFont typeface="Wingdings" pitchFamily="2" charset="2"/>
-              <a:buChar char="ü"/>
-            </a:pPr>
-            <a:r>
-              <a:rPr lang="zh-TW" altLang="en-US" sz="2400" b="1" dirty="0" smtClean="0">
-                <a:solidFill>
-                  <a:schemeClr val="accent1">
-                    <a:lumMod val="75000"/>
-                  </a:schemeClr>
-                </a:solidFill>
-                <a:latin typeface="Arial Unicode MS" pitchFamily="34" charset="-120"/>
-                <a:ea typeface="Arial Unicode MS" pitchFamily="34" charset="-120"/>
-                <a:cs typeface="Arial Unicode MS" pitchFamily="34" charset="-120"/>
-              </a:rPr>
-              <a:t>當沒有簡單、甚或不完全的解法方案時</a:t>
-            </a:r>
-            <a:r>
-              <a:rPr lang="en-US" altLang="zh-TW" sz="2400" b="1" dirty="0" smtClean="0">
-                <a:solidFill>
-                  <a:schemeClr val="accent1">
-                    <a:lumMod val="75000"/>
-                  </a:schemeClr>
-                </a:solidFill>
-                <a:latin typeface="Arial Unicode MS" pitchFamily="34" charset="-120"/>
-                <a:ea typeface="Arial Unicode MS" pitchFamily="34" charset="-120"/>
-                <a:cs typeface="Arial Unicode MS" pitchFamily="34" charset="-120"/>
-              </a:rPr>
-              <a:t>(</a:t>
-            </a:r>
-            <a:r>
-              <a:rPr lang="zh-TW" altLang="en-US" sz="2400" b="1" dirty="0" smtClean="0">
-                <a:solidFill>
-                  <a:schemeClr val="accent1">
-                    <a:lumMod val="75000"/>
-                  </a:schemeClr>
-                </a:solidFill>
-                <a:latin typeface="Arial Unicode MS" pitchFamily="34" charset="-120"/>
-                <a:ea typeface="Arial Unicode MS" pitchFamily="34" charset="-120"/>
-                <a:cs typeface="Arial Unicode MS" pitchFamily="34" charset="-120"/>
-              </a:rPr>
-              <a:t>如 語音 </a:t>
-            </a:r>
-            <a:r>
-              <a:rPr lang="en-US" altLang="zh-TW" sz="2400" b="1" dirty="0" smtClean="0">
-                <a:solidFill>
-                  <a:schemeClr val="accent1">
-                    <a:lumMod val="75000"/>
-                  </a:schemeClr>
-                </a:solidFill>
-                <a:latin typeface="Arial Unicode MS" pitchFamily="34" charset="-120"/>
-                <a:ea typeface="Arial Unicode MS" pitchFamily="34" charset="-120"/>
-                <a:cs typeface="Arial Unicode MS" pitchFamily="34" charset="-120"/>
-              </a:rPr>
-              <a:t>/</a:t>
-            </a:r>
-            <a:r>
-              <a:rPr lang="zh-TW" altLang="en-US" sz="2400" b="1" dirty="0" smtClean="0">
-                <a:solidFill>
-                  <a:schemeClr val="accent1">
-                    <a:lumMod val="75000"/>
-                  </a:schemeClr>
-                </a:solidFill>
-                <a:latin typeface="Arial Unicode MS" pitchFamily="34" charset="-120"/>
-                <a:ea typeface="Arial Unicode MS" pitchFamily="34" charset="-120"/>
-                <a:cs typeface="Arial Unicode MS" pitchFamily="34" charset="-120"/>
-              </a:rPr>
-              <a:t>視覺識別</a:t>
-            </a:r>
-            <a:r>
-              <a:rPr lang="en-US" altLang="zh-TW" sz="2400" b="1" dirty="0" smtClean="0">
-                <a:solidFill>
-                  <a:schemeClr val="accent1">
-                    <a:lumMod val="75000"/>
-                  </a:schemeClr>
-                </a:solidFill>
-                <a:latin typeface="Arial Unicode MS" pitchFamily="34" charset="-120"/>
-                <a:ea typeface="Arial Unicode MS" pitchFamily="34" charset="-120"/>
-                <a:cs typeface="Arial Unicode MS" pitchFamily="34" charset="-120"/>
-              </a:rPr>
-              <a:t>)</a:t>
-            </a:r>
-            <a:r>
-              <a:rPr lang="zh-TW" altLang="en-US" sz="2400" b="1" dirty="0" smtClean="0">
-                <a:solidFill>
-                  <a:schemeClr val="accent1">
-                    <a:lumMod val="75000"/>
-                  </a:schemeClr>
-                </a:solidFill>
-                <a:latin typeface="Arial Unicode MS" pitchFamily="34" charset="-120"/>
-                <a:ea typeface="Arial Unicode MS" pitchFamily="34" charset="-120"/>
-                <a:cs typeface="Arial Unicode MS" pitchFamily="34" charset="-120"/>
-              </a:rPr>
-              <a:t> </a:t>
-            </a:r>
-            <a:endParaRPr lang="en-US" altLang="zh-TW" sz="2400" b="1" dirty="0" smtClean="0">
-              <a:solidFill>
-                <a:schemeClr val="accent1">
-                  <a:lumMod val="75000"/>
-                </a:schemeClr>
-              </a:solidFill>
-              <a:latin typeface="Arial Unicode MS" pitchFamily="34" charset="-120"/>
-              <a:ea typeface="Arial Unicode MS" pitchFamily="34" charset="-120"/>
-              <a:cs typeface="Arial Unicode MS" pitchFamily="34" charset="-120"/>
-            </a:endParaRPr>
-          </a:p>
-          <a:p>
-            <a:pPr marL="457200" indent="-457200">
-              <a:buFont typeface="Wingdings" pitchFamily="2" charset="2"/>
-              <a:buChar char="ü"/>
-            </a:pPr>
-            <a:r>
-              <a:rPr lang="zh-TW" altLang="en-US" sz="2400" b="1" dirty="0" smtClean="0">
-                <a:solidFill>
-                  <a:schemeClr val="accent1">
-                    <a:lumMod val="75000"/>
-                  </a:schemeClr>
-                </a:solidFill>
-                <a:latin typeface="Arial Unicode MS" pitchFamily="34" charset="-120"/>
-                <a:ea typeface="Arial Unicode MS" pitchFamily="34" charset="-120"/>
-                <a:cs typeface="Arial Unicode MS" pitchFamily="34" charset="-120"/>
-              </a:rPr>
-              <a:t>需要超快速的判斷時 </a:t>
-            </a:r>
-            <a:r>
-              <a:rPr lang="en-US" altLang="zh-TW" sz="2400" b="1" dirty="0" smtClean="0">
-                <a:solidFill>
-                  <a:schemeClr val="accent1">
-                    <a:lumMod val="75000"/>
-                  </a:schemeClr>
-                </a:solidFill>
-                <a:latin typeface="Arial Unicode MS" pitchFamily="34" charset="-120"/>
-                <a:ea typeface="Arial Unicode MS" pitchFamily="34" charset="-120"/>
-                <a:cs typeface="Arial Unicode MS" pitchFamily="34" charset="-120"/>
-              </a:rPr>
-              <a:t>(</a:t>
-            </a:r>
-            <a:r>
-              <a:rPr lang="zh-TW" altLang="en-US" sz="2400" b="1" dirty="0" smtClean="0">
-                <a:solidFill>
-                  <a:schemeClr val="accent1">
-                    <a:lumMod val="75000"/>
-                  </a:schemeClr>
-                </a:solidFill>
-                <a:latin typeface="Arial Unicode MS" pitchFamily="34" charset="-120"/>
-                <a:ea typeface="Arial Unicode MS" pitchFamily="34" charset="-120"/>
-                <a:cs typeface="Arial Unicode MS" pitchFamily="34" charset="-120"/>
-              </a:rPr>
-              <a:t>如極短線股票交易</a:t>
-            </a:r>
-            <a:r>
-              <a:rPr lang="en-US" altLang="zh-TW" sz="2400" b="1" dirty="0" smtClean="0">
-                <a:solidFill>
-                  <a:schemeClr val="accent1">
-                    <a:lumMod val="75000"/>
-                  </a:schemeClr>
-                </a:solidFill>
-                <a:latin typeface="Arial Unicode MS" pitchFamily="34" charset="-120"/>
-                <a:ea typeface="Arial Unicode MS" pitchFamily="34" charset="-120"/>
-                <a:cs typeface="Arial Unicode MS" pitchFamily="34" charset="-120"/>
-              </a:rPr>
-              <a:t>)</a:t>
-            </a:r>
-          </a:p>
-          <a:p>
-            <a:pPr marL="457200" indent="-457200">
-              <a:buFont typeface="Wingdings" pitchFamily="2" charset="2"/>
-              <a:buChar char="ü"/>
-            </a:pPr>
-            <a:r>
-              <a:rPr lang="zh-TW" altLang="en-US" sz="2400" b="1" dirty="0" smtClean="0">
-                <a:solidFill>
-                  <a:schemeClr val="accent1">
-                    <a:lumMod val="75000"/>
-                  </a:schemeClr>
-                </a:solidFill>
-                <a:latin typeface="Arial Unicode MS" pitchFamily="34" charset="-120"/>
-                <a:ea typeface="Arial Unicode MS" pitchFamily="34" charset="-120"/>
-                <a:cs typeface="Arial Unicode MS" pitchFamily="34" charset="-120"/>
-              </a:rPr>
-              <a:t>或是資料量大到人為經驗亦無法負荷的程度 或是資料量大到人為經驗亦無法負荷的程度</a:t>
-            </a:r>
-            <a:endParaRPr lang="en-US" altLang="zh-TW" sz="2400" b="1" dirty="0" smtClean="0">
-              <a:solidFill>
-                <a:schemeClr val="accent1">
-                  <a:lumMod val="75000"/>
-                </a:schemeClr>
-              </a:solidFill>
-              <a:latin typeface="Arial Unicode MS" pitchFamily="34" charset="-120"/>
-              <a:ea typeface="Arial Unicode MS" pitchFamily="34" charset="-120"/>
-              <a:cs typeface="Arial Unicode MS" pitchFamily="34" charset="-120"/>
-            </a:endParaRPr>
-          </a:p>
-          <a:p>
-            <a:endParaRPr lang="zh-TW" altLang="en-US" dirty="0"/>
-          </a:p>
-        </p:txBody>
-      </p:sp>
-    </p:spTree>
-  </p:cSld>
-  <p:clrMapOvr>
-    <a:masterClrMapping/>
-  </p:clrMapOvr>
-  <p:timing>
-    <p:tnLst>
-      <p:par>
-        <p:cTn id="1" dur="indefinite" restart="never" nodeType="tmRoot"/>
-      </p:par>
-    </p:tnLst>
-  </p:timing>
-</p:sld>
-</file>
-
-<file path=ppt/slides/slide3.xml><?xml version="1.0" encoding="utf-8"?>
-<p:sld xmlns:a="http://schemas.openxmlformats.org/drawingml/2006/main" xmlns:r="http://schemas.openxmlformats.org/officeDocument/2006/relationships" xmlns:p="http://schemas.openxmlformats.org/presentationml/2006/main">
-  <p:cSld>
-    <p:spTree>
-      <p:nvGrpSpPr>
-        <p:cNvPr id="1" name=""/>
-        <p:cNvGrpSpPr/>
-        <p:nvPr/>
-      </p:nvGrpSpPr>
-      <p:grpSpPr>
-        <a:xfrm>
-          <a:off x="0" y="0"/>
-          <a:ext cx="0" cy="0"/>
-          <a:chOff x="0" y="0"/>
-          <a:chExt cx="0" cy="0"/>
-        </a:xfrm>
-      </p:grpSpPr>
-      <p:sp>
-        <p:nvSpPr>
-          <p:cNvPr id="2" name="Title 1"/>
-          <p:cNvSpPr>
-            <a:spLocks noGrp="1"/>
-          </p:cNvSpPr>
-          <p:nvPr>
-            <p:ph type="title"/>
-          </p:nvPr>
-        </p:nvSpPr>
-        <p:spPr/>
-        <p:txBody>
-          <a:bodyPr/>
-          <a:lstStyle/>
-          <a:p>
-            <a:r>
-              <a:rPr lang="zh-TW" altLang="en-US" dirty="0" smtClean="0"/>
-              <a:t>何謂機器學習</a:t>
-            </a:r>
-            <a:r>
-              <a:rPr lang="en-US" altLang="zh-TW" dirty="0" smtClean="0"/>
-              <a:t>(1/3)</a:t>
-            </a:r>
-            <a:endParaRPr lang="zh-TW" altLang="en-US" dirty="0"/>
-          </a:p>
-        </p:txBody>
-      </p:sp>
-      <p:pic>
-        <p:nvPicPr>
-          <p:cNvPr id="10242" name="Picture 2"/>
-          <p:cNvPicPr>
-            <a:picLocks noChangeAspect="1" noChangeArrowheads="1"/>
-          </p:cNvPicPr>
-          <p:nvPr/>
-        </p:nvPicPr>
-        <p:blipFill>
-          <a:blip r:embed="rId2" cstate="print"/>
-          <a:srcRect/>
-          <a:stretch>
-            <a:fillRect/>
-          </a:stretch>
-        </p:blipFill>
-        <p:spPr bwMode="auto">
-          <a:xfrm>
-            <a:off x="1043810" y="1131590"/>
-            <a:ext cx="8058150" cy="3657600"/>
-          </a:xfrm>
-          <a:prstGeom prst="rect">
-            <a:avLst/>
-          </a:prstGeom>
-          <a:noFill/>
-          <a:ln w="9525">
-            <a:noFill/>
-            <a:miter lim="800000"/>
-            <a:headEnd/>
-            <a:tailEnd/>
-          </a:ln>
-        </p:spPr>
-      </p:pic>
-      <p:sp>
-        <p:nvSpPr>
-          <p:cNvPr id="4" name="TextBox 3"/>
-          <p:cNvSpPr txBox="1"/>
-          <p:nvPr/>
-        </p:nvSpPr>
-        <p:spPr>
-          <a:xfrm>
-            <a:off x="6911752" y="4897279"/>
-            <a:ext cx="2232248" cy="246221"/>
-          </a:xfrm>
-          <a:prstGeom prst="rect">
-            <a:avLst/>
-          </a:prstGeom>
-          <a:noFill/>
-        </p:spPr>
-        <p:txBody>
-          <a:bodyPr wrap="square" rtlCol="0">
-            <a:spAutoFit/>
-          </a:bodyPr>
-          <a:lstStyle/>
-          <a:p>
-            <a:pPr algn="r"/>
-            <a:r>
-              <a:rPr lang="en-US" altLang="zh-TW" sz="1000" dirty="0" err="1" smtClean="0"/>
-              <a:t>From:yannis.chen</a:t>
-            </a:r>
-            <a:endParaRPr lang="zh-TW" altLang="en-US" sz="1000" dirty="0"/>
-          </a:p>
-        </p:txBody>
-      </p:sp>
-      <p:sp>
-        <p:nvSpPr>
-          <p:cNvPr id="7" name="Rounded Rectangle 6"/>
-          <p:cNvSpPr/>
-          <p:nvPr/>
-        </p:nvSpPr>
-        <p:spPr>
-          <a:xfrm>
-            <a:off x="1403648" y="4443958"/>
-            <a:ext cx="720080" cy="432048"/>
-          </a:xfrm>
-          <a:prstGeom prst="roundRect">
-            <a:avLst/>
-          </a:prstGeom>
-          <a:noFill/>
-          <a:ln w="22225">
-            <a:solidFill>
-              <a:srgbClr val="FF0000"/>
-            </a:solidFill>
-          </a:ln>
-        </p:spPr>
-        <p:style>
-          <a:lnRef idx="2">
-            <a:schemeClr val="accent1">
-              <a:shade val="50000"/>
-            </a:schemeClr>
-          </a:lnRef>
-          <a:fillRef idx="1">
-            <a:schemeClr val="accent1"/>
-          </a:fillRef>
-          <a:effectRef idx="0">
-            <a:schemeClr val="accent1"/>
-          </a:effectRef>
-          <a:fontRef idx="minor">
-            <a:schemeClr val="lt1"/>
-          </a:fontRef>
-        </p:style>
-        <p:txBody>
-          <a:bodyPr rtlCol="0" anchor="ctr"/>
-          <a:lstStyle/>
-          <a:p>
-            <a:pPr algn="ctr"/>
-            <a:endParaRPr lang="zh-TW" altLang="en-US"/>
-          </a:p>
-        </p:txBody>
-      </p:sp>
-      <p:sp>
-        <p:nvSpPr>
-          <p:cNvPr id="9" name="Rounded Rectangle 8"/>
-          <p:cNvSpPr/>
-          <p:nvPr/>
-        </p:nvSpPr>
-        <p:spPr>
-          <a:xfrm>
-            <a:off x="3491880" y="4443958"/>
-            <a:ext cx="720080" cy="432048"/>
-          </a:xfrm>
-          <a:prstGeom prst="roundRect">
-            <a:avLst/>
-          </a:prstGeom>
-          <a:noFill/>
-          <a:ln w="22225">
-            <a:solidFill>
-              <a:srgbClr val="FF0000"/>
-            </a:solidFill>
-          </a:ln>
-        </p:spPr>
-        <p:style>
-          <a:lnRef idx="2">
-            <a:schemeClr val="accent1">
-              <a:shade val="50000"/>
-            </a:schemeClr>
-          </a:lnRef>
-          <a:fillRef idx="1">
-            <a:schemeClr val="accent1"/>
-          </a:fillRef>
-          <a:effectRef idx="0">
-            <a:schemeClr val="accent1"/>
-          </a:effectRef>
-          <a:fontRef idx="minor">
-            <a:schemeClr val="lt1"/>
-          </a:fontRef>
-        </p:style>
-        <p:txBody>
-          <a:bodyPr rtlCol="0" anchor="ctr"/>
-          <a:lstStyle/>
-          <a:p>
-            <a:pPr algn="ctr"/>
-            <a:endParaRPr lang="zh-TW" altLang="en-US"/>
-          </a:p>
-        </p:txBody>
-      </p:sp>
-      <p:sp>
-        <p:nvSpPr>
-          <p:cNvPr id="10" name="Rounded Rectangle 9"/>
-          <p:cNvSpPr/>
-          <p:nvPr/>
-        </p:nvSpPr>
-        <p:spPr>
-          <a:xfrm>
-            <a:off x="5580112" y="4443958"/>
-            <a:ext cx="720080" cy="432048"/>
-          </a:xfrm>
-          <a:prstGeom prst="roundRect">
-            <a:avLst/>
-          </a:prstGeom>
-          <a:noFill/>
-          <a:ln w="22225">
-            <a:solidFill>
-              <a:srgbClr val="FF0000"/>
-            </a:solidFill>
-          </a:ln>
-        </p:spPr>
-        <p:style>
-          <a:lnRef idx="2">
-            <a:schemeClr val="accent1">
-              <a:shade val="50000"/>
-            </a:schemeClr>
-          </a:lnRef>
-          <a:fillRef idx="1">
-            <a:schemeClr val="accent1"/>
-          </a:fillRef>
-          <a:effectRef idx="0">
-            <a:schemeClr val="accent1"/>
-          </a:effectRef>
-          <a:fontRef idx="minor">
-            <a:schemeClr val="lt1"/>
-          </a:fontRef>
-        </p:style>
-        <p:txBody>
-          <a:bodyPr rtlCol="0" anchor="ctr"/>
-          <a:lstStyle/>
-          <a:p>
-            <a:pPr algn="ctr"/>
-            <a:endParaRPr lang="zh-TW" altLang="en-US"/>
-          </a:p>
-        </p:txBody>
-      </p:sp>
-    </p:spTree>
-  </p:cSld>
-  <p:clrMapOvr>
-    <a:masterClrMapping/>
-  </p:clrMapOvr>
-  <p:timing>
-    <p:tnLst>
-      <p:par>
-        <p:cTn id="1" dur="indefinite" restart="never" nodeType="tmRoot"/>
-      </p:par>
-    </p:tnLst>
-  </p:timing>
-</p:sld>
-</file>
-
-<file path=ppt/slides/slide30.xml><?xml version="1.0" encoding="utf-8"?>
+<file path=ppt/slides/slide27.xml><?xml version="1.0" encoding="utf-8"?>
 <p:sld xmlns:a="http://schemas.openxmlformats.org/drawingml/2006/main" xmlns:r="http://schemas.openxmlformats.org/officeDocument/2006/relationships" xmlns:p="http://schemas.openxmlformats.org/presentationml/2006/main">
   <p:cSld>
     <p:spTree>
@@ -18129,7 +17504,7 @@
     </p:spTree>
     <p:extLst>
       <p:ext uri="{BB962C8B-B14F-4D97-AF65-F5344CB8AC3E}">
-        <p14:creationId xmlns:p14="http://schemas.microsoft.com/office/powerpoint/2010/main" xmlns="" val="4109795533"/>
+        <p14:creationId xmlns="" xmlns:p14="http://schemas.microsoft.com/office/powerpoint/2010/main" val="4109795533"/>
       </p:ext>
     </p:extLst>
   </p:cSld>
@@ -18146,7 +17521,7 @@
 </p:sld>
 </file>
 
-<file path=ppt/slides/slide31.xml><?xml version="1.0" encoding="utf-8"?>
+<file path=ppt/slides/slide28.xml><?xml version="1.0" encoding="utf-8"?>
 <p:sld xmlns:a="http://schemas.openxmlformats.org/drawingml/2006/main" xmlns:r="http://schemas.openxmlformats.org/officeDocument/2006/relationships" xmlns:p="http://schemas.openxmlformats.org/presentationml/2006/main">
   <p:cSld>
     <p:spTree>
@@ -18613,7 +17988,7 @@
           <p:cNvPr id="6" name="그림 개체 틀 5">
             <a:extLst>
               <a:ext uri="{FF2B5EF4-FFF2-40B4-BE49-F238E27FC236}">
-                <a16:creationId xmlns:a16="http://schemas.microsoft.com/office/drawing/2014/main" xmlns="" id="{8B6AE17B-8C4A-441A-AE12-6EA97D9B75D0}"/>
+                <a16:creationId xmlns="" xmlns:a16="http://schemas.microsoft.com/office/drawing/2014/main" id="{8B6AE17B-8C4A-441A-AE12-6EA97D9B75D0}"/>
               </a:ext>
             </a:extLst>
           </p:cNvPr>
@@ -18655,9 +18030,269 @@
     </p:spTree>
     <p:extLst>
       <p:ext uri="{BB962C8B-B14F-4D97-AF65-F5344CB8AC3E}">
-        <p14:creationId xmlns:p14="http://schemas.microsoft.com/office/powerpoint/2010/main" xmlns="" val="2030636767"/>
+        <p14:creationId xmlns="" xmlns:p14="http://schemas.microsoft.com/office/powerpoint/2010/main" val="2030636767"/>
       </p:ext>
     </p:extLst>
+  </p:cSld>
+  <p:clrMapOvr>
+    <a:masterClrMapping/>
+  </p:clrMapOvr>
+  <p:timing>
+    <p:tnLst>
+      <p:par>
+        <p:cTn id="1" dur="indefinite" restart="never" nodeType="tmRoot"/>
+      </p:par>
+    </p:tnLst>
+  </p:timing>
+</p:sld>
+</file>
+
+<file path=ppt/slides/slide3.xml><?xml version="1.0" encoding="utf-8"?>
+<p:sld xmlns:a="http://schemas.openxmlformats.org/drawingml/2006/main" xmlns:r="http://schemas.openxmlformats.org/officeDocument/2006/relationships" xmlns:p="http://schemas.openxmlformats.org/presentationml/2006/main">
+  <p:cSld>
+    <p:spTree>
+      <p:nvGrpSpPr>
+        <p:cNvPr id="1" name=""/>
+        <p:cNvGrpSpPr/>
+        <p:nvPr/>
+      </p:nvGrpSpPr>
+      <p:grpSpPr>
+        <a:xfrm>
+          <a:off x="0" y="0"/>
+          <a:ext cx="0" cy="0"/>
+          <a:chOff x="0" y="0"/>
+          <a:chExt cx="0" cy="0"/>
+        </a:xfrm>
+      </p:grpSpPr>
+      <p:sp>
+        <p:nvSpPr>
+          <p:cNvPr id="2" name="Title 1"/>
+          <p:cNvSpPr>
+            <a:spLocks noGrp="1"/>
+          </p:cNvSpPr>
+          <p:nvPr>
+            <p:ph type="title"/>
+          </p:nvPr>
+        </p:nvSpPr>
+        <p:spPr/>
+        <p:txBody>
+          <a:bodyPr/>
+          <a:lstStyle/>
+          <a:p>
+            <a:r>
+              <a:rPr lang="zh-TW" altLang="en-US" dirty="0" smtClean="0"/>
+              <a:t>何謂機器學習</a:t>
+            </a:r>
+            <a:r>
+              <a:rPr lang="en-US" altLang="zh-TW" dirty="0" smtClean="0"/>
+              <a:t>(1/3)</a:t>
+            </a:r>
+            <a:endParaRPr lang="zh-TW" altLang="en-US" dirty="0"/>
+          </a:p>
+        </p:txBody>
+      </p:sp>
+      <p:pic>
+        <p:nvPicPr>
+          <p:cNvPr id="10242" name="Picture 2"/>
+          <p:cNvPicPr>
+            <a:picLocks noChangeAspect="1" noChangeArrowheads="1"/>
+          </p:cNvPicPr>
+          <p:nvPr/>
+        </p:nvPicPr>
+        <p:blipFill>
+          <a:blip r:embed="rId2" cstate="print"/>
+          <a:srcRect/>
+          <a:stretch>
+            <a:fillRect/>
+          </a:stretch>
+        </p:blipFill>
+        <p:spPr bwMode="auto">
+          <a:xfrm>
+            <a:off x="1043810" y="1131590"/>
+            <a:ext cx="8058150" cy="3657600"/>
+          </a:xfrm>
+          <a:prstGeom prst="rect">
+            <a:avLst/>
+          </a:prstGeom>
+          <a:noFill/>
+          <a:ln w="9525">
+            <a:noFill/>
+            <a:miter lim="800000"/>
+            <a:headEnd/>
+            <a:tailEnd/>
+          </a:ln>
+        </p:spPr>
+      </p:pic>
+      <p:sp>
+        <p:nvSpPr>
+          <p:cNvPr id="4" name="TextBox 3"/>
+          <p:cNvSpPr txBox="1"/>
+          <p:nvPr/>
+        </p:nvSpPr>
+        <p:spPr>
+          <a:xfrm>
+            <a:off x="6911752" y="4897279"/>
+            <a:ext cx="2232248" cy="246221"/>
+          </a:xfrm>
+          <a:prstGeom prst="rect">
+            <a:avLst/>
+          </a:prstGeom>
+          <a:noFill/>
+        </p:spPr>
+        <p:txBody>
+          <a:bodyPr wrap="square" rtlCol="0">
+            <a:spAutoFit/>
+          </a:bodyPr>
+          <a:lstStyle/>
+          <a:p>
+            <a:pPr algn="r"/>
+            <a:r>
+              <a:rPr lang="en-US" altLang="zh-TW" sz="1000" dirty="0" err="1" smtClean="0"/>
+              <a:t>From:yannis.chen</a:t>
+            </a:r>
+            <a:endParaRPr lang="zh-TW" altLang="en-US" sz="1000" dirty="0"/>
+          </a:p>
+        </p:txBody>
+      </p:sp>
+      <p:sp>
+        <p:nvSpPr>
+          <p:cNvPr id="7" name="Rounded Rectangle 6"/>
+          <p:cNvSpPr/>
+          <p:nvPr/>
+        </p:nvSpPr>
+        <p:spPr>
+          <a:xfrm>
+            <a:off x="1403648" y="4443958"/>
+            <a:ext cx="720080" cy="432048"/>
+          </a:xfrm>
+          <a:prstGeom prst="roundRect">
+            <a:avLst/>
+          </a:prstGeom>
+          <a:noFill/>
+          <a:ln w="22225">
+            <a:solidFill>
+              <a:srgbClr val="FF0000"/>
+            </a:solidFill>
+          </a:ln>
+        </p:spPr>
+        <p:style>
+          <a:lnRef idx="2">
+            <a:schemeClr val="accent1">
+              <a:shade val="50000"/>
+            </a:schemeClr>
+          </a:lnRef>
+          <a:fillRef idx="1">
+            <a:schemeClr val="accent1"/>
+          </a:fillRef>
+          <a:effectRef idx="0">
+            <a:schemeClr val="accent1"/>
+          </a:effectRef>
+          <a:fontRef idx="minor">
+            <a:schemeClr val="lt1"/>
+          </a:fontRef>
+        </p:style>
+        <p:txBody>
+          <a:bodyPr rtlCol="0" anchor="ctr"/>
+          <a:lstStyle/>
+          <a:p>
+            <a:pPr algn="ctr"/>
+            <a:endParaRPr lang="zh-TW" altLang="en-US"/>
+          </a:p>
+        </p:txBody>
+      </p:sp>
+      <p:sp>
+        <p:nvSpPr>
+          <p:cNvPr id="9" name="Rounded Rectangle 8"/>
+          <p:cNvSpPr/>
+          <p:nvPr/>
+        </p:nvSpPr>
+        <p:spPr>
+          <a:xfrm>
+            <a:off x="3491880" y="4443958"/>
+            <a:ext cx="720080" cy="432048"/>
+          </a:xfrm>
+          <a:prstGeom prst="roundRect">
+            <a:avLst/>
+          </a:prstGeom>
+          <a:noFill/>
+          <a:ln w="22225">
+            <a:solidFill>
+              <a:srgbClr val="FF0000"/>
+            </a:solidFill>
+          </a:ln>
+        </p:spPr>
+        <p:style>
+          <a:lnRef idx="2">
+            <a:schemeClr val="accent1">
+              <a:shade val="50000"/>
+            </a:schemeClr>
+          </a:lnRef>
+          <a:fillRef idx="1">
+            <a:schemeClr val="accent1"/>
+          </a:fillRef>
+          <a:effectRef idx="0">
+            <a:schemeClr val="accent1"/>
+          </a:effectRef>
+          <a:fontRef idx="minor">
+            <a:schemeClr val="lt1"/>
+          </a:fontRef>
+        </p:style>
+        <p:txBody>
+          <a:bodyPr rtlCol="0" anchor="ctr"/>
+          <a:lstStyle/>
+          <a:p>
+            <a:pPr algn="ctr"/>
+            <a:endParaRPr lang="zh-TW" altLang="en-US"/>
+          </a:p>
+        </p:txBody>
+      </p:sp>
+      <p:sp>
+        <p:nvSpPr>
+          <p:cNvPr id="10" name="Rounded Rectangle 9"/>
+          <p:cNvSpPr/>
+          <p:nvPr/>
+        </p:nvSpPr>
+        <p:spPr>
+          <a:xfrm>
+            <a:off x="5580112" y="4443958"/>
+            <a:ext cx="720080" cy="432048"/>
+          </a:xfrm>
+          <a:prstGeom prst="roundRect">
+            <a:avLst/>
+          </a:prstGeom>
+          <a:noFill/>
+          <a:ln w="22225">
+            <a:solidFill>
+              <a:srgbClr val="FF0000"/>
+            </a:solidFill>
+          </a:ln>
+        </p:spPr>
+        <p:style>
+          <a:lnRef idx="2">
+            <a:schemeClr val="accent1">
+              <a:shade val="50000"/>
+            </a:schemeClr>
+          </a:lnRef>
+          <a:fillRef idx="1">
+            <a:schemeClr val="accent1"/>
+          </a:fillRef>
+          <a:effectRef idx="0">
+            <a:schemeClr val="accent1"/>
+          </a:effectRef>
+          <a:fontRef idx="minor">
+            <a:schemeClr val="lt1"/>
+          </a:fontRef>
+        </p:style>
+        <p:txBody>
+          <a:bodyPr rtlCol="0" anchor="ctr"/>
+          <a:lstStyle/>
+          <a:p>
+            <a:pPr algn="ctr"/>
+            <a:endParaRPr lang="zh-TW" altLang="en-US"/>
+          </a:p>
+        </p:txBody>
+      </p:sp>
+    </p:spTree>
   </p:cSld>
   <p:clrMapOvr>
     <a:masterClrMapping/>
